--- a/public/img/배너 만들기.pptx
+++ b/public/img/배너 만들기.pptx
@@ -7,6 +7,7 @@
   <p:sldIdLst>
     <p:sldId id="256" r:id="rId2"/>
     <p:sldId id="257" r:id="rId3"/>
+    <p:sldId id="258" r:id="rId4"/>
   </p:sldIdLst>
   <p:sldSz cx="12192000" cy="6858000"/>
   <p:notesSz cx="6858000" cy="9144000"/>
@@ -105,7 +106,105 @@
       </a:defRPr>
     </a:lvl9pPr>
   </p:defaultTextStyle>
+  <p:extLst>
+    <p:ext uri="{EFAFB233-063F-42B5-8137-9DF3F51BA10A}">
+      <p15:sldGuideLst xmlns:p15="http://schemas.microsoft.com/office/powerpoint/2012/main"/>
+    </p:ext>
+  </p:extLst>
 </p:presentation>
+</file>
+
+<file path=ppt/revisionInfo.xml><?xml version="1.0" encoding="utf-8"?>
+<p1510:revInfo xmlns:a="http://schemas.openxmlformats.org/drawingml/2006/main" xmlns:r="http://schemas.openxmlformats.org/officeDocument/2006/relationships" xmlns:p1510="http://schemas.microsoft.com/office/powerpoint/2015/10/main">
+  <p1510:revLst>
+    <p1510:client id="{5C90B077-32A9-4CF2-ACA2-AD73A3A1CB35}" v="25" dt="2024-10-20T15:38:56.210"/>
+  </p1510:revLst>
+</p1510:revInfo>
+</file>
+
+<file path=ppt/changesInfos/changesInfo1.xml><?xml version="1.0" encoding="utf-8"?>
+<pc:chgInfo xmlns:a="http://schemas.openxmlformats.org/drawingml/2006/main" xmlns:r="http://schemas.openxmlformats.org/officeDocument/2006/relationships" xmlns:ac="http://schemas.microsoft.com/office/drawing/2013/main/command" xmlns:pc="http://schemas.microsoft.com/office/powerpoint/2013/main/command">
+  <pc:docChgLst>
+    <pc:chgData name="철민 박" userId="e09d7cfdb129ed82" providerId="LiveId" clId="{5C90B077-32A9-4CF2-ACA2-AD73A3A1CB35}"/>
+    <pc:docChg chg="undo custSel addSld modSld">
+      <pc:chgData name="철민 박" userId="e09d7cfdb129ed82" providerId="LiveId" clId="{5C90B077-32A9-4CF2-ACA2-AD73A3A1CB35}" dt="2024-10-20T15:39:12.455" v="210" actId="478"/>
+      <pc:docMkLst>
+        <pc:docMk/>
+      </pc:docMkLst>
+      <pc:sldChg chg="addSp delSp modSp add mod">
+        <pc:chgData name="철민 박" userId="e09d7cfdb129ed82" providerId="LiveId" clId="{5C90B077-32A9-4CF2-ACA2-AD73A3A1CB35}" dt="2024-10-20T15:39:12.455" v="210" actId="478"/>
+        <pc:sldMkLst>
+          <pc:docMk/>
+          <pc:sldMk cId="1712898047" sldId="258"/>
+        </pc:sldMkLst>
+        <pc:spChg chg="add del mod">
+          <ac:chgData name="철민 박" userId="e09d7cfdb129ed82" providerId="LiveId" clId="{5C90B077-32A9-4CF2-ACA2-AD73A3A1CB35}" dt="2024-10-20T15:38:23.079" v="193" actId="478"/>
+          <ac:spMkLst>
+            <pc:docMk/>
+            <pc:sldMk cId="1712898047" sldId="258"/>
+            <ac:spMk id="5" creationId="{53A4F7E8-07CA-124C-2228-D88FC62DAF99}"/>
+          </ac:spMkLst>
+        </pc:spChg>
+        <pc:spChg chg="del mod">
+          <ac:chgData name="철민 박" userId="e09d7cfdb129ed82" providerId="LiveId" clId="{5C90B077-32A9-4CF2-ACA2-AD73A3A1CB35}" dt="2024-10-20T15:35:22.358" v="5" actId="478"/>
+          <ac:spMkLst>
+            <pc:docMk/>
+            <pc:sldMk cId="1712898047" sldId="258"/>
+            <ac:spMk id="6" creationId="{F0588EE3-607F-9CCF-A97C-8057270389CF}"/>
+          </ac:spMkLst>
+        </pc:spChg>
+        <pc:spChg chg="add del mod">
+          <ac:chgData name="철민 박" userId="e09d7cfdb129ed82" providerId="LiveId" clId="{5C90B077-32A9-4CF2-ACA2-AD73A3A1CB35}" dt="2024-10-20T15:38:23.079" v="193" actId="478"/>
+          <ac:spMkLst>
+            <pc:docMk/>
+            <pc:sldMk cId="1712898047" sldId="258"/>
+            <ac:spMk id="7" creationId="{12EE189F-77DC-3C1F-D2C6-58A735B4402E}"/>
+          </ac:spMkLst>
+        </pc:spChg>
+        <pc:spChg chg="add del mod">
+          <ac:chgData name="철민 박" userId="e09d7cfdb129ed82" providerId="LiveId" clId="{5C90B077-32A9-4CF2-ACA2-AD73A3A1CB35}" dt="2024-10-20T15:38:23.079" v="193" actId="478"/>
+          <ac:spMkLst>
+            <pc:docMk/>
+            <pc:sldMk cId="1712898047" sldId="258"/>
+            <ac:spMk id="8" creationId="{81533135-E80C-949F-922E-E8BD55CEC3DB}"/>
+          </ac:spMkLst>
+        </pc:spChg>
+        <pc:picChg chg="del mod">
+          <ac:chgData name="철민 박" userId="e09d7cfdb129ed82" providerId="LiveId" clId="{5C90B077-32A9-4CF2-ACA2-AD73A3A1CB35}" dt="2024-10-20T15:35:22.358" v="5" actId="478"/>
+          <ac:picMkLst>
+            <pc:docMk/>
+            <pc:sldMk cId="1712898047" sldId="258"/>
+            <ac:picMk id="3" creationId="{33417B58-15C3-B679-EE4F-AA111B22803B}"/>
+          </ac:picMkLst>
+        </pc:picChg>
+        <pc:picChg chg="add del mod">
+          <ac:chgData name="철민 박" userId="e09d7cfdb129ed82" providerId="LiveId" clId="{5C90B077-32A9-4CF2-ACA2-AD73A3A1CB35}" dt="2024-10-20T15:38:23.079" v="193" actId="478"/>
+          <ac:picMkLst>
+            <pc:docMk/>
+            <pc:sldMk cId="1712898047" sldId="258"/>
+            <ac:picMk id="4" creationId="{C9BCFAFF-D28F-40D1-A0CF-2A42D31EAEA0}"/>
+          </ac:picMkLst>
+        </pc:picChg>
+        <pc:picChg chg="add del mod">
+          <ac:chgData name="철민 박" userId="e09d7cfdb129ed82" providerId="LiveId" clId="{5C90B077-32A9-4CF2-ACA2-AD73A3A1CB35}" dt="2024-10-20T15:39:12.455" v="210" actId="478"/>
+          <ac:picMkLst>
+            <pc:docMk/>
+            <pc:sldMk cId="1712898047" sldId="258"/>
+            <ac:picMk id="10" creationId="{3DB89884-1CC8-1A34-FDF8-CA47C50A1FB9}"/>
+          </ac:picMkLst>
+        </pc:picChg>
+        <pc:picChg chg="add mod">
+          <ac:chgData name="철민 박" userId="e09d7cfdb129ed82" providerId="LiveId" clId="{5C90B077-32A9-4CF2-ACA2-AD73A3A1CB35}" dt="2024-10-20T15:38:52.615" v="198" actId="1076"/>
+          <ac:picMkLst>
+            <pc:docMk/>
+            <pc:sldMk cId="1712898047" sldId="258"/>
+            <ac:picMk id="1026" creationId="{3393FA8E-8734-CE31-3E0D-646B97CB40B2}"/>
+          </ac:picMkLst>
+        </pc:picChg>
+      </pc:sldChg>
+    </pc:docChg>
+  </pc:docChgLst>
+</pc:chgInfo>
 </file>
 
 <file path=ppt/slideLayouts/slideLayout1.xml><?xml version="1.0" encoding="utf-8"?>
@@ -255,7 +354,7 @@
           <a:p>
             <a:fld id="{A9E8C8C8-2698-4DC1-AB38-98E7CC8CD707}" type="datetimeFigureOut">
               <a:rPr lang="ko-KR" altLang="en-US" smtClean="0"/>
-              <a:t>2024-10-16</a:t>
+              <a:t>2024-10-21</a:t>
             </a:fld>
             <a:endParaRPr lang="ko-KR" altLang="en-US"/>
           </a:p>
@@ -453,7 +552,7 @@
           <a:p>
             <a:fld id="{A9E8C8C8-2698-4DC1-AB38-98E7CC8CD707}" type="datetimeFigureOut">
               <a:rPr lang="ko-KR" altLang="en-US" smtClean="0"/>
-              <a:t>2024-10-16</a:t>
+              <a:t>2024-10-21</a:t>
             </a:fld>
             <a:endParaRPr lang="ko-KR" altLang="en-US"/>
           </a:p>
@@ -661,7 +760,7 @@
           <a:p>
             <a:fld id="{A9E8C8C8-2698-4DC1-AB38-98E7CC8CD707}" type="datetimeFigureOut">
               <a:rPr lang="ko-KR" altLang="en-US" smtClean="0"/>
-              <a:t>2024-10-16</a:t>
+              <a:t>2024-10-21</a:t>
             </a:fld>
             <a:endParaRPr lang="ko-KR" altLang="en-US"/>
           </a:p>
@@ -859,7 +958,7 @@
           <a:p>
             <a:fld id="{A9E8C8C8-2698-4DC1-AB38-98E7CC8CD707}" type="datetimeFigureOut">
               <a:rPr lang="ko-KR" altLang="en-US" smtClean="0"/>
-              <a:t>2024-10-16</a:t>
+              <a:t>2024-10-21</a:t>
             </a:fld>
             <a:endParaRPr lang="ko-KR" altLang="en-US"/>
           </a:p>
@@ -1134,7 +1233,7 @@
           <a:p>
             <a:fld id="{A9E8C8C8-2698-4DC1-AB38-98E7CC8CD707}" type="datetimeFigureOut">
               <a:rPr lang="ko-KR" altLang="en-US" smtClean="0"/>
-              <a:t>2024-10-16</a:t>
+              <a:t>2024-10-21</a:t>
             </a:fld>
             <a:endParaRPr lang="ko-KR" altLang="en-US"/>
           </a:p>
@@ -1399,7 +1498,7 @@
           <a:p>
             <a:fld id="{A9E8C8C8-2698-4DC1-AB38-98E7CC8CD707}" type="datetimeFigureOut">
               <a:rPr lang="ko-KR" altLang="en-US" smtClean="0"/>
-              <a:t>2024-10-16</a:t>
+              <a:t>2024-10-21</a:t>
             </a:fld>
             <a:endParaRPr lang="ko-KR" altLang="en-US"/>
           </a:p>
@@ -1811,7 +1910,7 @@
           <a:p>
             <a:fld id="{A9E8C8C8-2698-4DC1-AB38-98E7CC8CD707}" type="datetimeFigureOut">
               <a:rPr lang="ko-KR" altLang="en-US" smtClean="0"/>
-              <a:t>2024-10-16</a:t>
+              <a:t>2024-10-21</a:t>
             </a:fld>
             <a:endParaRPr lang="ko-KR" altLang="en-US"/>
           </a:p>
@@ -1952,7 +2051,7 @@
           <a:p>
             <a:fld id="{A9E8C8C8-2698-4DC1-AB38-98E7CC8CD707}" type="datetimeFigureOut">
               <a:rPr lang="ko-KR" altLang="en-US" smtClean="0"/>
-              <a:t>2024-10-16</a:t>
+              <a:t>2024-10-21</a:t>
             </a:fld>
             <a:endParaRPr lang="ko-KR" altLang="en-US"/>
           </a:p>
@@ -2065,7 +2164,7 @@
           <a:p>
             <a:fld id="{A9E8C8C8-2698-4DC1-AB38-98E7CC8CD707}" type="datetimeFigureOut">
               <a:rPr lang="ko-KR" altLang="en-US" smtClean="0"/>
-              <a:t>2024-10-16</a:t>
+              <a:t>2024-10-21</a:t>
             </a:fld>
             <a:endParaRPr lang="ko-KR" altLang="en-US"/>
           </a:p>
@@ -2376,7 +2475,7 @@
           <a:p>
             <a:fld id="{A9E8C8C8-2698-4DC1-AB38-98E7CC8CD707}" type="datetimeFigureOut">
               <a:rPr lang="ko-KR" altLang="en-US" smtClean="0"/>
-              <a:t>2024-10-16</a:t>
+              <a:t>2024-10-21</a:t>
             </a:fld>
             <a:endParaRPr lang="ko-KR" altLang="en-US"/>
           </a:p>
@@ -2664,7 +2763,7 @@
           <a:p>
             <a:fld id="{A9E8C8C8-2698-4DC1-AB38-98E7CC8CD707}" type="datetimeFigureOut">
               <a:rPr lang="ko-KR" altLang="en-US" smtClean="0"/>
-              <a:t>2024-10-16</a:t>
+              <a:t>2024-10-21</a:t>
             </a:fld>
             <a:endParaRPr lang="ko-KR" altLang="en-US"/>
           </a:p>
@@ -2905,7 +3004,7 @@
           <a:p>
             <a:fld id="{A9E8C8C8-2698-4DC1-AB38-98E7CC8CD707}" type="datetimeFigureOut">
               <a:rPr lang="ko-KR" altLang="en-US" smtClean="0"/>
-              <a:t>2024-10-16</a:t>
+              <a:t>2024-10-21</a:t>
             </a:fld>
             <a:endParaRPr lang="ko-KR" altLang="en-US"/>
           </a:p>
@@ -3717,6 +3816,89 @@
 </p:sld>
 </file>
 
+<file path=ppt/slides/slide3.xml><?xml version="1.0" encoding="utf-8"?>
+<p:sld xmlns:a="http://schemas.openxmlformats.org/drawingml/2006/main" xmlns:r="http://schemas.openxmlformats.org/officeDocument/2006/relationships" xmlns:p="http://schemas.openxmlformats.org/presentationml/2006/main">
+  <p:cSld>
+    <p:spTree>
+      <p:nvGrpSpPr>
+        <p:cNvPr id="1" name="">
+          <a:extLst>
+            <a:ext uri="{FF2B5EF4-FFF2-40B4-BE49-F238E27FC236}">
+              <a16:creationId xmlns:a16="http://schemas.microsoft.com/office/drawing/2014/main" id="{1E4ABF2C-1C4E-A0C4-5D2A-68BD43F486C6}"/>
+            </a:ext>
+          </a:extLst>
+        </p:cNvPr>
+        <p:cNvGrpSpPr/>
+        <p:nvPr/>
+      </p:nvGrpSpPr>
+      <p:grpSpPr>
+        <a:xfrm>
+          <a:off x="0" y="0"/>
+          <a:ext cx="0" cy="0"/>
+          <a:chOff x="0" y="0"/>
+          <a:chExt cx="0" cy="0"/>
+        </a:xfrm>
+      </p:grpSpPr>
+      <p:pic>
+        <p:nvPicPr>
+          <p:cNvPr id="1026" name="Picture 2">
+            <a:extLst>
+              <a:ext uri="{FF2B5EF4-FFF2-40B4-BE49-F238E27FC236}">
+                <a16:creationId xmlns:a16="http://schemas.microsoft.com/office/drawing/2014/main" id="{3393FA8E-8734-CE31-3E0D-646B97CB40B2}"/>
+              </a:ext>
+            </a:extLst>
+          </p:cNvPr>
+          <p:cNvPicPr>
+            <a:picLocks noChangeArrowheads="1"/>
+          </p:cNvPicPr>
+          <p:nvPr/>
+        </p:nvPicPr>
+        <p:blipFill>
+          <a:blip r:embed="rId2">
+            <a:extLst>
+              <a:ext uri="{28A0092B-C50C-407E-A947-70E740481C1C}">
+                <a14:useLocalDpi xmlns:a14="http://schemas.microsoft.com/office/drawing/2010/main" val="0"/>
+              </a:ext>
+            </a:extLst>
+          </a:blip>
+          <a:srcRect/>
+          <a:stretch>
+            <a:fillRect/>
+          </a:stretch>
+        </p:blipFill>
+        <p:spPr bwMode="auto">
+          <a:xfrm>
+            <a:off x="969819" y="2629600"/>
+            <a:ext cx="9525000" cy="1428750"/>
+          </a:xfrm>
+          <a:prstGeom prst="rect">
+            <a:avLst/>
+          </a:prstGeom>
+          <a:noFill/>
+          <a:extLst>
+            <a:ext uri="{909E8E84-426E-40DD-AFC4-6F175D3DCCD1}">
+              <a14:hiddenFill xmlns:a14="http://schemas.microsoft.com/office/drawing/2010/main">
+                <a:solidFill>
+                  <a:srgbClr val="FFFFFF"/>
+                </a:solidFill>
+              </a14:hiddenFill>
+            </a:ext>
+          </a:extLst>
+        </p:spPr>
+      </p:pic>
+    </p:spTree>
+    <p:extLst>
+      <p:ext uri="{BB962C8B-B14F-4D97-AF65-F5344CB8AC3E}">
+        <p14:creationId xmlns:p14="http://schemas.microsoft.com/office/powerpoint/2010/main" val="1712898047"/>
+      </p:ext>
+    </p:extLst>
+  </p:cSld>
+  <p:clrMapOvr>
+    <a:masterClrMapping/>
+  </p:clrMapOvr>
+</p:sld>
+</file>
+
 <file path=ppt/theme/theme1.xml><?xml version="1.0" encoding="utf-8"?>
 <a:theme xmlns:a="http://schemas.openxmlformats.org/drawingml/2006/main" name="Office 테마">
   <a:themeElements>

--- a/public/img/배너 만들기.pptx
+++ b/public/img/배너 만들기.pptx
@@ -117,13 +117,60 @@
 <file path=ppt/revisionInfo.xml><?xml version="1.0" encoding="utf-8"?>
 <p1510:revInfo xmlns:a="http://schemas.openxmlformats.org/drawingml/2006/main" xmlns:r="http://schemas.openxmlformats.org/officeDocument/2006/relationships" xmlns:p1510="http://schemas.microsoft.com/office/powerpoint/2015/10/main">
   <p1510:revLst>
-    <p1510:client id="{5C90B077-32A9-4CF2-ACA2-AD73A3A1CB35}" v="25" dt="2024-10-20T15:38:56.210"/>
+    <p1510:client id="{45F303EC-0990-4090-82FD-D7E463A6BF8A}" v="4" dt="2024-11-27T14:14:03.814"/>
   </p1510:revLst>
 </p1510:revInfo>
 </file>
 
 <file path=ppt/changesInfos/changesInfo1.xml><?xml version="1.0" encoding="utf-8"?>
 <pc:chgInfo xmlns:a="http://schemas.openxmlformats.org/drawingml/2006/main" xmlns:r="http://schemas.openxmlformats.org/officeDocument/2006/relationships" xmlns:ac="http://schemas.microsoft.com/office/drawing/2013/main/command" xmlns:pc="http://schemas.microsoft.com/office/powerpoint/2013/main/command">
+  <pc:docChgLst>
+    <pc:chgData name="철민 박" userId="e09d7cfdb129ed82" providerId="LiveId" clId="{45F303EC-0990-4090-82FD-D7E463A6BF8A}"/>
+    <pc:docChg chg="undo custSel modSld">
+      <pc:chgData name="철민 박" userId="e09d7cfdb129ed82" providerId="LiveId" clId="{45F303EC-0990-4090-82FD-D7E463A6BF8A}" dt="2024-11-27T14:14:40.447" v="29" actId="20577"/>
+      <pc:docMkLst>
+        <pc:docMk/>
+      </pc:docMkLst>
+      <pc:sldChg chg="modSp mod">
+        <pc:chgData name="철민 박" userId="e09d7cfdb129ed82" providerId="LiveId" clId="{45F303EC-0990-4090-82FD-D7E463A6BF8A}" dt="2024-11-27T14:14:40.447" v="29" actId="20577"/>
+        <pc:sldMkLst>
+          <pc:docMk/>
+          <pc:sldMk cId="3606221832" sldId="256"/>
+        </pc:sldMkLst>
+        <pc:spChg chg="mod">
+          <ac:chgData name="철민 박" userId="e09d7cfdb129ed82" providerId="LiveId" clId="{45F303EC-0990-4090-82FD-D7E463A6BF8A}" dt="2024-11-27T14:14:40.447" v="29" actId="20577"/>
+          <ac:spMkLst>
+            <pc:docMk/>
+            <pc:sldMk cId="3606221832" sldId="256"/>
+            <ac:spMk id="6" creationId="{5045083B-EC19-5A21-FE2B-8B536D9EF8EE}"/>
+          </ac:spMkLst>
+        </pc:spChg>
+        <pc:picChg chg="mod">
+          <ac:chgData name="철민 박" userId="e09d7cfdb129ed82" providerId="LiveId" clId="{45F303EC-0990-4090-82FD-D7E463A6BF8A}" dt="2024-11-27T14:13:44.041" v="12" actId="14100"/>
+          <ac:picMkLst>
+            <pc:docMk/>
+            <pc:sldMk cId="3606221832" sldId="256"/>
+            <ac:picMk id="5" creationId="{4FBA2053-BBEB-6263-ACEC-FE429257E0FB}"/>
+          </ac:picMkLst>
+        </pc:picChg>
+      </pc:sldChg>
+      <pc:sldChg chg="modSp">
+        <pc:chgData name="철민 박" userId="e09d7cfdb129ed82" providerId="LiveId" clId="{45F303EC-0990-4090-82FD-D7E463A6BF8A}" dt="2024-11-27T14:14:03.814" v="15" actId="1076"/>
+        <pc:sldMkLst>
+          <pc:docMk/>
+          <pc:sldMk cId="1712898047" sldId="258"/>
+        </pc:sldMkLst>
+        <pc:picChg chg="mod">
+          <ac:chgData name="철민 박" userId="e09d7cfdb129ed82" providerId="LiveId" clId="{45F303EC-0990-4090-82FD-D7E463A6BF8A}" dt="2024-11-27T14:14:03.814" v="15" actId="1076"/>
+          <ac:picMkLst>
+            <pc:docMk/>
+            <pc:sldMk cId="1712898047" sldId="258"/>
+            <ac:picMk id="1026" creationId="{3393FA8E-8734-CE31-3E0D-646B97CB40B2}"/>
+          </ac:picMkLst>
+        </pc:picChg>
+      </pc:sldChg>
+    </pc:docChg>
+  </pc:docChgLst>
   <pc:docChgLst>
     <pc:chgData name="철민 박" userId="e09d7cfdb129ed82" providerId="LiveId" clId="{5C90B077-32A9-4CF2-ACA2-AD73A3A1CB35}"/>
     <pc:docChg chg="undo custSel addSld modSld">
@@ -354,7 +401,7 @@
           <a:p>
             <a:fld id="{A9E8C8C8-2698-4DC1-AB38-98E7CC8CD707}" type="datetimeFigureOut">
               <a:rPr lang="ko-KR" altLang="en-US" smtClean="0"/>
-              <a:t>2024-10-21</a:t>
+              <a:t>2024-11-27</a:t>
             </a:fld>
             <a:endParaRPr lang="ko-KR" altLang="en-US"/>
           </a:p>
@@ -552,7 +599,7 @@
           <a:p>
             <a:fld id="{A9E8C8C8-2698-4DC1-AB38-98E7CC8CD707}" type="datetimeFigureOut">
               <a:rPr lang="ko-KR" altLang="en-US" smtClean="0"/>
-              <a:t>2024-10-21</a:t>
+              <a:t>2024-11-27</a:t>
             </a:fld>
             <a:endParaRPr lang="ko-KR" altLang="en-US"/>
           </a:p>
@@ -760,7 +807,7 @@
           <a:p>
             <a:fld id="{A9E8C8C8-2698-4DC1-AB38-98E7CC8CD707}" type="datetimeFigureOut">
               <a:rPr lang="ko-KR" altLang="en-US" smtClean="0"/>
-              <a:t>2024-10-21</a:t>
+              <a:t>2024-11-27</a:t>
             </a:fld>
             <a:endParaRPr lang="ko-KR" altLang="en-US"/>
           </a:p>
@@ -958,7 +1005,7 @@
           <a:p>
             <a:fld id="{A9E8C8C8-2698-4DC1-AB38-98E7CC8CD707}" type="datetimeFigureOut">
               <a:rPr lang="ko-KR" altLang="en-US" smtClean="0"/>
-              <a:t>2024-10-21</a:t>
+              <a:t>2024-11-27</a:t>
             </a:fld>
             <a:endParaRPr lang="ko-KR" altLang="en-US"/>
           </a:p>
@@ -1233,7 +1280,7 @@
           <a:p>
             <a:fld id="{A9E8C8C8-2698-4DC1-AB38-98E7CC8CD707}" type="datetimeFigureOut">
               <a:rPr lang="ko-KR" altLang="en-US" smtClean="0"/>
-              <a:t>2024-10-21</a:t>
+              <a:t>2024-11-27</a:t>
             </a:fld>
             <a:endParaRPr lang="ko-KR" altLang="en-US"/>
           </a:p>
@@ -1498,7 +1545,7 @@
           <a:p>
             <a:fld id="{A9E8C8C8-2698-4DC1-AB38-98E7CC8CD707}" type="datetimeFigureOut">
               <a:rPr lang="ko-KR" altLang="en-US" smtClean="0"/>
-              <a:t>2024-10-21</a:t>
+              <a:t>2024-11-27</a:t>
             </a:fld>
             <a:endParaRPr lang="ko-KR" altLang="en-US"/>
           </a:p>
@@ -1910,7 +1957,7 @@
           <a:p>
             <a:fld id="{A9E8C8C8-2698-4DC1-AB38-98E7CC8CD707}" type="datetimeFigureOut">
               <a:rPr lang="ko-KR" altLang="en-US" smtClean="0"/>
-              <a:t>2024-10-21</a:t>
+              <a:t>2024-11-27</a:t>
             </a:fld>
             <a:endParaRPr lang="ko-KR" altLang="en-US"/>
           </a:p>
@@ -2051,7 +2098,7 @@
           <a:p>
             <a:fld id="{A9E8C8C8-2698-4DC1-AB38-98E7CC8CD707}" type="datetimeFigureOut">
               <a:rPr lang="ko-KR" altLang="en-US" smtClean="0"/>
-              <a:t>2024-10-21</a:t>
+              <a:t>2024-11-27</a:t>
             </a:fld>
             <a:endParaRPr lang="ko-KR" altLang="en-US"/>
           </a:p>
@@ -2164,7 +2211,7 @@
           <a:p>
             <a:fld id="{A9E8C8C8-2698-4DC1-AB38-98E7CC8CD707}" type="datetimeFigureOut">
               <a:rPr lang="ko-KR" altLang="en-US" smtClean="0"/>
-              <a:t>2024-10-21</a:t>
+              <a:t>2024-11-27</a:t>
             </a:fld>
             <a:endParaRPr lang="ko-KR" altLang="en-US"/>
           </a:p>
@@ -2475,7 +2522,7 @@
           <a:p>
             <a:fld id="{A9E8C8C8-2698-4DC1-AB38-98E7CC8CD707}" type="datetimeFigureOut">
               <a:rPr lang="ko-KR" altLang="en-US" smtClean="0"/>
-              <a:t>2024-10-21</a:t>
+              <a:t>2024-11-27</a:t>
             </a:fld>
             <a:endParaRPr lang="ko-KR" altLang="en-US"/>
           </a:p>
@@ -2763,7 +2810,7 @@
           <a:p>
             <a:fld id="{A9E8C8C8-2698-4DC1-AB38-98E7CC8CD707}" type="datetimeFigureOut">
               <a:rPr lang="ko-KR" altLang="en-US" smtClean="0"/>
-              <a:t>2024-10-21</a:t>
+              <a:t>2024-11-27</a:t>
             </a:fld>
             <a:endParaRPr lang="ko-KR" altLang="en-US"/>
           </a:p>
@@ -3004,7 +3051,7 @@
           <a:p>
             <a:fld id="{A9E8C8C8-2698-4DC1-AB38-98E7CC8CD707}" type="datetimeFigureOut">
               <a:rPr lang="ko-KR" altLang="en-US" smtClean="0"/>
-              <a:t>2024-10-21</a:t>
+              <a:t>2024-11-27</a:t>
             </a:fld>
             <a:endParaRPr lang="ko-KR" altLang="en-US"/>
           </a:p>
@@ -3431,7 +3478,7 @@
             </a:extLst>
           </p:cNvPr>
           <p:cNvPicPr>
-            <a:picLocks noChangeAspect="1"/>
+            <a:picLocks/>
           </p:cNvPicPr>
           <p:nvPr/>
         </p:nvPicPr>
@@ -3449,8 +3496,8 @@
         </p:blipFill>
         <p:spPr>
           <a:xfrm>
-            <a:off x="1333500" y="2714625"/>
-            <a:ext cx="9525000" cy="1428750"/>
+            <a:off x="253497" y="2289113"/>
+            <a:ext cx="11430000" cy="1428750"/>
           </a:xfrm>
           <a:prstGeom prst="rect">
             <a:avLst/>
@@ -3466,13 +3513,15 @@
               </a:ext>
             </a:extLst>
           </p:cNvPr>
-          <p:cNvSpPr/>
+          <p:cNvSpPr>
+            <a:spLocks/>
+          </p:cNvSpPr>
           <p:nvPr/>
         </p:nvSpPr>
         <p:spPr>
           <a:xfrm>
-            <a:off x="1333500" y="2714625"/>
-            <a:ext cx="9525000" cy="1428750"/>
+            <a:off x="253497" y="2289112"/>
+            <a:ext cx="11430000" cy="1428750"/>
           </a:xfrm>
           <a:prstGeom prst="rect">
             <a:avLst/>
@@ -3508,69 +3557,11 @@
           <a:p>
             <a:pPr algn="ctr"/>
             <a:r>
-              <a:rPr lang="ko-KR" altLang="en-US" sz="2000" dirty="0">
-                <a:latin typeface="궁서" panose="02030600000101010101" pitchFamily="18" charset="-127"/>
-                <a:ea typeface="궁서" panose="02030600000101010101" pitchFamily="18" charset="-127"/>
-              </a:rPr>
-              <a:t>아름다운 곳</a:t>
-            </a:r>
-            <a:r>
               <a:rPr lang="en-US" altLang="ko-KR" sz="2000" dirty="0">
                 <a:latin typeface="궁서" panose="02030600000101010101" pitchFamily="18" charset="-127"/>
                 <a:ea typeface="궁서" panose="02030600000101010101" pitchFamily="18" charset="-127"/>
               </a:rPr>
-              <a:t>, </a:t>
-            </a:r>
-            <a:r>
-              <a:rPr lang="ko-KR" altLang="en-US" sz="2000" dirty="0">
-                <a:latin typeface="궁서" panose="02030600000101010101" pitchFamily="18" charset="-127"/>
-                <a:ea typeface="궁서" panose="02030600000101010101" pitchFamily="18" charset="-127"/>
-              </a:rPr>
-              <a:t>편안한 휴식</a:t>
-            </a:r>
-            <a:endParaRPr lang="en-US" altLang="ko-KR" sz="2000" dirty="0">
-              <a:latin typeface="궁서" panose="02030600000101010101" pitchFamily="18" charset="-127"/>
-              <a:ea typeface="궁서" panose="02030600000101010101" pitchFamily="18" charset="-127"/>
-            </a:endParaRPr>
-          </a:p>
-          <a:p>
-            <a:pPr algn="ctr"/>
-            <a:r>
-              <a:rPr lang="ko-KR" altLang="en-US" sz="2800" b="1" dirty="0">
-                <a:solidFill>
-                  <a:srgbClr val="FFC000"/>
-                </a:solidFill>
-                <a:latin typeface="궁서" panose="02030600000101010101" pitchFamily="18" charset="-127"/>
-                <a:ea typeface="궁서" panose="02030600000101010101" pitchFamily="18" charset="-127"/>
-              </a:rPr>
-              <a:t>광화문 </a:t>
-            </a:r>
-            <a:r>
-              <a:rPr lang="ko-KR" altLang="en-US" sz="2800" b="1" dirty="0" err="1">
-                <a:solidFill>
-                  <a:srgbClr val="FFC000"/>
-                </a:solidFill>
-                <a:latin typeface="궁서" panose="02030600000101010101" pitchFamily="18" charset="-127"/>
-                <a:ea typeface="궁서" panose="02030600000101010101" pitchFamily="18" charset="-127"/>
-              </a:rPr>
-              <a:t>포시즌스</a:t>
-            </a:r>
-            <a:r>
-              <a:rPr lang="ko-KR" altLang="en-US" sz="2800" b="1" dirty="0">
-                <a:solidFill>
-                  <a:srgbClr val="FFC000"/>
-                </a:solidFill>
-                <a:latin typeface="궁서" panose="02030600000101010101" pitchFamily="18" charset="-127"/>
-                <a:ea typeface="궁서" panose="02030600000101010101" pitchFamily="18" charset="-127"/>
-              </a:rPr>
-              <a:t> 호텔 </a:t>
-            </a:r>
-            <a:r>
-              <a:rPr lang="ko-KR" altLang="en-US" sz="2800" dirty="0">
-                <a:latin typeface="궁서" panose="02030600000101010101" pitchFamily="18" charset="-127"/>
-                <a:ea typeface="궁서" panose="02030600000101010101" pitchFamily="18" charset="-127"/>
-              </a:rPr>
-              <a:t>특별 프로모션</a:t>
+              <a:t>1200px * 150px</a:t>
             </a:r>
             <a:endParaRPr lang="en-US" altLang="ko-KR" sz="2800" dirty="0">
               <a:latin typeface="궁서" panose="02030600000101010101" pitchFamily="18" charset="-127"/>
@@ -3868,8 +3859,8 @@
         </p:blipFill>
         <p:spPr bwMode="auto">
           <a:xfrm>
-            <a:off x="969819" y="2629600"/>
-            <a:ext cx="9525000" cy="1428750"/>
+            <a:off x="381000" y="2149309"/>
+            <a:ext cx="11430000" cy="1428750"/>
           </a:xfrm>
           <a:prstGeom prst="rect">
             <a:avLst/>
